--- a/VIS3UE_Pendulum-Painter_Praesentation.pptx
+++ b/VIS3UE_Pendulum-Painter_Praesentation.pptx
@@ -203,7 +203,7 @@
           <a:p>
             <a:fld id="{AC3F91FF-1B68-405A-983D-1B0653C24866}" type="datetimeFigureOut">
               <a:rPr lang="en-GB" smtClean="0"/>
-              <a:t>24/02/2022</a:t>
+              <a:t>25/02/2022</a:t>
             </a:fld>
             <a:endParaRPr lang="en-GB"/>
           </a:p>
@@ -4840,8 +4840,8 @@
         </p:nvSpPr>
         <p:spPr>
           <a:xfrm>
-            <a:off x="838200" y="1825625"/>
-            <a:ext cx="7089000" cy="4351338"/>
+            <a:off x="838199" y="1825625"/>
+            <a:ext cx="7427401" cy="4351338"/>
           </a:xfrm>
         </p:spPr>
         <p:txBody>
@@ -4864,39 +4864,53 @@
               <a:lnSpc>
                 <a:spcPct val="100000"/>
               </a:lnSpc>
+              <a:buFont typeface="Wingdings" panose="05000000000000000000" pitchFamily="2" charset="2"/>
+              <a:buChar char="Ø"/>
             </a:pPr>
             <a:r>
-              <a:rPr lang="de-AT" sz="1800" dirty="0" err="1">
+              <a:rPr lang="de-AT" sz="2400" dirty="0" err="1">
                 <a:solidFill>
                   <a:srgbClr val="000000"/>
                 </a:solidFill>
+                <a:highlight>
+                  <a:srgbClr val="C0C0C0"/>
+                </a:highlight>
                 <a:latin typeface="Consolas" panose="020B0609020204030204" pitchFamily="49" charset="0"/>
               </a:rPr>
               <a:t>PendulumPainter</a:t>
             </a:r>
             <a:r>
-              <a:rPr lang="de-AT" sz="1800" dirty="0">
+              <a:rPr lang="de-AT" sz="2400" dirty="0">
                 <a:solidFill>
                   <a:srgbClr val="000000"/>
                 </a:solidFill>
+                <a:highlight>
+                  <a:srgbClr val="C0C0C0"/>
+                </a:highlight>
                 <a:latin typeface="Consolas" panose="020B0609020204030204" pitchFamily="49" charset="0"/>
               </a:rPr>
               <a:t>::</a:t>
             </a:r>
             <a:r>
-              <a:rPr lang="de-AT" sz="1800" dirty="0" err="1">
+              <a:rPr lang="de-AT" sz="2400" dirty="0" err="1">
                 <a:solidFill>
                   <a:srgbClr val="000000"/>
                 </a:solidFill>
+                <a:highlight>
+                  <a:srgbClr val="C0C0C0"/>
+                </a:highlight>
                 <a:latin typeface="Consolas" panose="020B0609020204030204" pitchFamily="49" charset="0"/>
               </a:rPr>
               <a:t>PendulumPainter</a:t>
             </a:r>
             <a:r>
-              <a:rPr lang="de-AT" sz="1800" dirty="0">
+              <a:rPr lang="de-AT" sz="2400" dirty="0">
                 <a:solidFill>
                   <a:srgbClr val="000000"/>
                 </a:solidFill>
+                <a:highlight>
+                  <a:srgbClr val="C0C0C0"/>
+                </a:highlight>
                 <a:latin typeface="Consolas" panose="020B0609020204030204" pitchFamily="49" charset="0"/>
               </a:rPr>
               <a:t>() </a:t>
@@ -4929,39 +4943,53 @@
               <a:lnSpc>
                 <a:spcPct val="100000"/>
               </a:lnSpc>
+              <a:buFont typeface="Wingdings" panose="05000000000000000000" pitchFamily="2" charset="2"/>
+              <a:buChar char="Ø"/>
             </a:pPr>
             <a:r>
-              <a:rPr lang="de-AT" sz="1800" dirty="0" err="1">
+              <a:rPr lang="de-AT" sz="2400" dirty="0" err="1">
                 <a:solidFill>
                   <a:srgbClr val="000000"/>
                 </a:solidFill>
+                <a:highlight>
+                  <a:srgbClr val="C0C0C0"/>
+                </a:highlight>
                 <a:latin typeface="Consolas" panose="020B0609020204030204" pitchFamily="49" charset="0"/>
               </a:rPr>
               <a:t>SphericalPendulum</a:t>
             </a:r>
             <a:r>
-              <a:rPr lang="de-AT" sz="1800" dirty="0">
+              <a:rPr lang="de-AT" sz="2400" dirty="0">
                 <a:solidFill>
                   <a:srgbClr val="000000"/>
                 </a:solidFill>
+                <a:highlight>
+                  <a:srgbClr val="C0C0C0"/>
+                </a:highlight>
                 <a:latin typeface="Consolas" panose="020B0609020204030204" pitchFamily="49" charset="0"/>
               </a:rPr>
               <a:t>::</a:t>
             </a:r>
             <a:r>
-              <a:rPr lang="de-AT" sz="1800" dirty="0" err="1">
+              <a:rPr lang="de-AT" sz="2400" dirty="0" err="1">
                 <a:solidFill>
                   <a:srgbClr val="000000"/>
                 </a:solidFill>
+                <a:highlight>
+                  <a:srgbClr val="C0C0C0"/>
+                </a:highlight>
                 <a:latin typeface="Consolas" panose="020B0609020204030204" pitchFamily="49" charset="0"/>
               </a:rPr>
               <a:t>SphericalPendulum</a:t>
             </a:r>
             <a:r>
-              <a:rPr lang="de-AT" sz="1800" dirty="0">
+              <a:rPr lang="de-AT" sz="2400" dirty="0">
                 <a:solidFill>
                   <a:srgbClr val="000000"/>
                 </a:solidFill>
+                <a:highlight>
+                  <a:srgbClr val="C0C0C0"/>
+                </a:highlight>
                 <a:latin typeface="Consolas" panose="020B0609020204030204" pitchFamily="49" charset="0"/>
               </a:rPr>
               <a:t>() </a:t>
@@ -5066,7 +5094,7 @@
         </p:blipFill>
         <p:spPr>
           <a:xfrm>
-            <a:off x="8265601" y="214961"/>
+            <a:off x="8534192" y="225472"/>
             <a:ext cx="3403098" cy="3470608"/>
           </a:xfrm>
           <a:prstGeom prst="rect">
@@ -5126,8 +5154,8 @@
           <a:lstStyle/>
           <a:p>
             <a:r>
-              <a:rPr lang="de-DE"/>
-              <a:t>Geilste Programm Habibi</a:t>
+              <a:rPr lang="de-DE" dirty="0"/>
+              <a:t>Validierung</a:t>
             </a:r>
             <a:endParaRPr lang="de-AT" dirty="0"/>
           </a:p>

--- a/VIS3UE_Pendulum-Painter_Praesentation.pptx
+++ b/VIS3UE_Pendulum-Painter_Praesentation.pptx
@@ -5127,7 +5127,7 @@
           <a:p>
             <a:r>
               <a:rPr lang="de-DE"/>
-              <a:t>Geilste Programm Habibi</a:t>
+              <a:t>Anwendung</a:t>
             </a:r>
             <a:endParaRPr lang="de-AT" dirty="0"/>
           </a:p>
